--- a/docs/Quarto_Powerpoint_Example.pptx
+++ b/docs/Quarto_Powerpoint_Example.pptx
@@ -3481,7 +3481,7 @@
       </p:sp>
       <p:pic>
         <p:nvPicPr>
-          <p:cNvPr descr="Quarto_Powerpoint_Example_files/figure-pptx/pressure-1.png" id="0" name="Picture 1"/>
+          <p:cNvPr descr="Quarto_Powerpoint_Example_files/figure-pptx/cars%20scatterplot-1.png" id="0" name="Picture 1"/>
           <p:cNvPicPr>
             <a:picLocks noGrp="1" noChangeAspect="1"/>
           </p:cNvPicPr>
